--- a/.NET Async Await - In Depth.pptx
+++ b/.NET Async Await - In Depth.pptx
@@ -1644,7 +1644,7 @@
           <a:p>
             <a:fld id="{588181D3-5A26-4341-A76D-A589AD088889}" type="datetimeFigureOut">
               <a:rPr lang="de-DE" smtClean="0"/>
-              <a:t>07.04.2023</a:t>
+              <a:t>08.04.2023</a:t>
             </a:fld>
             <a:endParaRPr lang="de-DE"/>
           </a:p>
@@ -6721,13 +6721,13 @@
   <p:clrMapOvr>
     <a:masterClrMapping/>
   </p:clrMapOvr>
-  <mc:AlternateContent xmlns:mc="http://schemas.openxmlformats.org/markup-compatibility/2006">
-    <mc:Choice xmlns:p14="http://schemas.microsoft.com/office/powerpoint/2010/main" Requires="p14">
+  <mc:AlternateContent xmlns:mc="http://schemas.openxmlformats.org/markup-compatibility/2006" xmlns:p14="http://schemas.microsoft.com/office/powerpoint/2010/main">
+    <mc:Choice Requires="p14">
       <p:transition spd="med" p14:dur="700">
         <p:fade/>
       </p:transition>
     </mc:Choice>
-    <mc:Fallback>
+    <mc:Fallback xmlns="">
       <p:transition spd="med">
         <p:fade/>
       </p:transition>
@@ -7085,13 +7085,13 @@
   <p:clrMapOvr>
     <a:masterClrMapping/>
   </p:clrMapOvr>
-  <mc:AlternateContent xmlns:mc="http://schemas.openxmlformats.org/markup-compatibility/2006">
-    <mc:Choice xmlns:p14="http://schemas.microsoft.com/office/powerpoint/2010/main" Requires="p14">
+  <mc:AlternateContent xmlns:mc="http://schemas.openxmlformats.org/markup-compatibility/2006" xmlns:p14="http://schemas.microsoft.com/office/powerpoint/2010/main">
+    <mc:Choice Requires="p14">
       <p:transition spd="med" p14:dur="700">
         <p:fade/>
       </p:transition>
     </mc:Choice>
-    <mc:Fallback>
+    <mc:Fallback xmlns="">
       <p:transition spd="med">
         <p:fade/>
       </p:transition>
@@ -7573,13 +7573,13 @@
   <p:clrMapOvr>
     <a:masterClrMapping/>
   </p:clrMapOvr>
-  <mc:AlternateContent xmlns:mc="http://schemas.openxmlformats.org/markup-compatibility/2006">
-    <mc:Choice xmlns:p14="http://schemas.microsoft.com/office/powerpoint/2010/main" Requires="p14">
+  <mc:AlternateContent xmlns:mc="http://schemas.openxmlformats.org/markup-compatibility/2006" xmlns:p14="http://schemas.microsoft.com/office/powerpoint/2010/main">
+    <mc:Choice Requires="p14">
       <p:transition spd="med" p14:dur="700">
         <p:fade/>
       </p:transition>
     </mc:Choice>
-    <mc:Fallback>
+    <mc:Fallback xmlns="">
       <p:transition spd="med">
         <p:fade/>
       </p:transition>
@@ -8556,13 +8556,13 @@
   <p:clrMapOvr>
     <a:masterClrMapping/>
   </p:clrMapOvr>
-  <mc:AlternateContent xmlns:mc="http://schemas.openxmlformats.org/markup-compatibility/2006">
-    <mc:Choice xmlns:p14="http://schemas.microsoft.com/office/powerpoint/2010/main" Requires="p14">
+  <mc:AlternateContent xmlns:mc="http://schemas.openxmlformats.org/markup-compatibility/2006" xmlns:p14="http://schemas.microsoft.com/office/powerpoint/2010/main">
+    <mc:Choice Requires="p14">
       <p:transition spd="med" p14:dur="700">
         <p:fade/>
       </p:transition>
     </mc:Choice>
-    <mc:Fallback>
+    <mc:Fallback xmlns="">
       <p:transition spd="med">
         <p:fade/>
       </p:transition>
@@ -8975,13 +8975,13 @@
   <p:clrMapOvr>
     <a:masterClrMapping/>
   </p:clrMapOvr>
-  <mc:AlternateContent xmlns:mc="http://schemas.openxmlformats.org/markup-compatibility/2006">
-    <mc:Choice xmlns:p14="http://schemas.microsoft.com/office/powerpoint/2010/main" Requires="p14">
+  <mc:AlternateContent xmlns:mc="http://schemas.openxmlformats.org/markup-compatibility/2006" xmlns:p14="http://schemas.microsoft.com/office/powerpoint/2010/main">
+    <mc:Choice Requires="p14">
       <p:transition spd="med" p14:dur="700">
         <p:fade/>
       </p:transition>
     </mc:Choice>
-    <mc:Fallback>
+    <mc:Fallback xmlns="">
       <p:transition spd="med">
         <p:fade/>
       </p:transition>
@@ -9402,13 +9402,13 @@
   <p:clrMapOvr>
     <a:masterClrMapping/>
   </p:clrMapOvr>
-  <mc:AlternateContent xmlns:mc="http://schemas.openxmlformats.org/markup-compatibility/2006">
-    <mc:Choice xmlns:p14="http://schemas.microsoft.com/office/powerpoint/2010/main" Requires="p14">
+  <mc:AlternateContent xmlns:mc="http://schemas.openxmlformats.org/markup-compatibility/2006" xmlns:p14="http://schemas.microsoft.com/office/powerpoint/2010/main">
+    <mc:Choice Requires="p14">
       <p:transition spd="med" p14:dur="700">
         <p:fade/>
       </p:transition>
     </mc:Choice>
-    <mc:Fallback>
+    <mc:Fallback xmlns="">
       <p:transition spd="med">
         <p:fade/>
       </p:transition>
@@ -9942,13 +9942,13 @@
   <p:clrMapOvr>
     <a:masterClrMapping/>
   </p:clrMapOvr>
-  <mc:AlternateContent xmlns:mc="http://schemas.openxmlformats.org/markup-compatibility/2006">
-    <mc:Choice xmlns:p14="http://schemas.microsoft.com/office/powerpoint/2010/main" Requires="p14">
+  <mc:AlternateContent xmlns:mc="http://schemas.openxmlformats.org/markup-compatibility/2006" xmlns:p14="http://schemas.microsoft.com/office/powerpoint/2010/main">
+    <mc:Choice Requires="p14">
       <p:transition spd="med" p14:dur="700">
         <p:fade/>
       </p:transition>
     </mc:Choice>
-    <mc:Fallback>
+    <mc:Fallback xmlns="">
       <p:transition spd="med">
         <p:fade/>
       </p:transition>
@@ -10437,13 +10437,13 @@
   <p:clrMapOvr>
     <a:masterClrMapping/>
   </p:clrMapOvr>
-  <mc:AlternateContent xmlns:mc="http://schemas.openxmlformats.org/markup-compatibility/2006">
-    <mc:Choice xmlns:p159="http://schemas.microsoft.com/office/powerpoint/2015/09/main" Requires="p159">
+  <mc:AlternateContent xmlns:mc="http://schemas.openxmlformats.org/markup-compatibility/2006" xmlns:p159="http://schemas.microsoft.com/office/powerpoint/2015/09/main">
+    <mc:Choice Requires="p159">
       <p:transition xmlns:p14="http://schemas.microsoft.com/office/powerpoint/2010/main" spd="slow" p14:dur="2000">
         <p159:morph option="byObject"/>
       </p:transition>
     </mc:Choice>
-    <mc:Fallback>
+    <mc:Fallback xmlns="">
       <p:transition spd="slow">
         <p:fade/>
       </p:transition>
@@ -11027,13 +11027,13 @@
   <p:clrMapOvr>
     <a:masterClrMapping/>
   </p:clrMapOvr>
-  <mc:AlternateContent xmlns:mc="http://schemas.openxmlformats.org/markup-compatibility/2006">
-    <mc:Choice xmlns:p159="http://schemas.microsoft.com/office/powerpoint/2015/09/main" Requires="p159">
+  <mc:AlternateContent xmlns:mc="http://schemas.openxmlformats.org/markup-compatibility/2006" xmlns:p159="http://schemas.microsoft.com/office/powerpoint/2015/09/main">
+    <mc:Choice Requires="p159">
       <p:transition xmlns:p14="http://schemas.microsoft.com/office/powerpoint/2010/main" spd="slow" p14:dur="2000">
         <p159:morph option="byObject"/>
       </p:transition>
     </mc:Choice>
-    <mc:Fallback>
+    <mc:Fallback xmlns="">
       <p:transition spd="slow">
         <p:fade/>
       </p:transition>
@@ -11244,13 +11244,13 @@
   <p:clrMapOvr>
     <a:masterClrMapping/>
   </p:clrMapOvr>
-  <mc:AlternateContent xmlns:mc="http://schemas.openxmlformats.org/markup-compatibility/2006">
-    <mc:Choice xmlns:p14="http://schemas.microsoft.com/office/powerpoint/2010/main" Requires="p14">
+  <mc:AlternateContent xmlns:mc="http://schemas.openxmlformats.org/markup-compatibility/2006" xmlns:p14="http://schemas.microsoft.com/office/powerpoint/2010/main">
+    <mc:Choice Requires="p14">
       <p:transition spd="med" p14:dur="700">
         <p:fade/>
       </p:transition>
     </mc:Choice>
-    <mc:Fallback>
+    <mc:Fallback xmlns="">
       <p:transition spd="med">
         <p:fade/>
       </p:transition>
@@ -11884,13 +11884,13 @@
   <p:clrMapOvr>
     <a:masterClrMapping/>
   </p:clrMapOvr>
-  <mc:AlternateContent xmlns:mc="http://schemas.openxmlformats.org/markup-compatibility/2006">
-    <mc:Choice xmlns:p159="http://schemas.microsoft.com/office/powerpoint/2015/09/main" Requires="p159">
+  <mc:AlternateContent xmlns:mc="http://schemas.openxmlformats.org/markup-compatibility/2006" xmlns:p159="http://schemas.microsoft.com/office/powerpoint/2015/09/main">
+    <mc:Choice Requires="p159">
       <p:transition xmlns:p14="http://schemas.microsoft.com/office/powerpoint/2010/main" spd="slow" p14:dur="2000">
         <p159:morph option="byObject"/>
       </p:transition>
     </mc:Choice>
-    <mc:Fallback>
+    <mc:Fallback xmlns="">
       <p:transition spd="slow">
         <p:fade/>
       </p:transition>
@@ -12619,13 +12619,13 @@
   <p:clrMapOvr>
     <a:masterClrMapping/>
   </p:clrMapOvr>
-  <mc:AlternateContent xmlns:mc="http://schemas.openxmlformats.org/markup-compatibility/2006">
-    <mc:Choice xmlns:p159="http://schemas.microsoft.com/office/powerpoint/2015/09/main" Requires="p159">
+  <mc:AlternateContent xmlns:mc="http://schemas.openxmlformats.org/markup-compatibility/2006" xmlns:p159="http://schemas.microsoft.com/office/powerpoint/2015/09/main">
+    <mc:Choice Requires="p159">
       <p:transition xmlns:p14="http://schemas.microsoft.com/office/powerpoint/2010/main" spd="slow" p14:dur="2000">
         <p159:morph option="byObject"/>
       </p:transition>
     </mc:Choice>
-    <mc:Fallback>
+    <mc:Fallback xmlns="">
       <p:transition spd="slow">
         <p:fade/>
       </p:transition>
@@ -13354,13 +13354,13 @@
   <p:clrMapOvr>
     <a:masterClrMapping/>
   </p:clrMapOvr>
-  <mc:AlternateContent xmlns:mc="http://schemas.openxmlformats.org/markup-compatibility/2006">
-    <mc:Choice xmlns:p159="http://schemas.microsoft.com/office/powerpoint/2015/09/main" Requires="p159">
+  <mc:AlternateContent xmlns:mc="http://schemas.openxmlformats.org/markup-compatibility/2006" xmlns:p159="http://schemas.microsoft.com/office/powerpoint/2015/09/main">
+    <mc:Choice Requires="p159">
       <p:transition xmlns:p14="http://schemas.microsoft.com/office/powerpoint/2010/main" spd="slow" p14:dur="2000">
         <p159:morph option="byObject"/>
       </p:transition>
     </mc:Choice>
-    <mc:Fallback>
+    <mc:Fallback xmlns="">
       <p:transition spd="slow">
         <p:fade/>
       </p:transition>
@@ -14174,13 +14174,13 @@
   <p:clrMapOvr>
     <a:masterClrMapping/>
   </p:clrMapOvr>
-  <mc:AlternateContent xmlns:mc="http://schemas.openxmlformats.org/markup-compatibility/2006">
-    <mc:Choice xmlns:p159="http://schemas.microsoft.com/office/powerpoint/2015/09/main" Requires="p159">
+  <mc:AlternateContent xmlns:mc="http://schemas.openxmlformats.org/markup-compatibility/2006" xmlns:p159="http://schemas.microsoft.com/office/powerpoint/2015/09/main">
+    <mc:Choice Requires="p159">
       <p:transition xmlns:p14="http://schemas.microsoft.com/office/powerpoint/2010/main" spd="slow" p14:dur="2000">
         <p159:morph option="byObject"/>
       </p:transition>
     </mc:Choice>
-    <mc:Fallback>
+    <mc:Fallback xmlns="">
       <p:transition spd="slow">
         <p:fade/>
       </p:transition>
@@ -15044,13 +15044,13 @@
   <p:clrMapOvr>
     <a:masterClrMapping/>
   </p:clrMapOvr>
-  <mc:AlternateContent xmlns:mc="http://schemas.openxmlformats.org/markup-compatibility/2006">
-    <mc:Choice xmlns:p159="http://schemas.microsoft.com/office/powerpoint/2015/09/main" Requires="p159">
+  <mc:AlternateContent xmlns:mc="http://schemas.openxmlformats.org/markup-compatibility/2006" xmlns:p159="http://schemas.microsoft.com/office/powerpoint/2015/09/main">
+    <mc:Choice Requires="p159">
       <p:transition xmlns:p14="http://schemas.microsoft.com/office/powerpoint/2010/main" spd="slow" p14:dur="2000">
         <p159:morph option="byObject"/>
       </p:transition>
     </mc:Choice>
-    <mc:Fallback>
+    <mc:Fallback xmlns="">
       <p:transition spd="slow">
         <p:fade/>
       </p:transition>
@@ -16045,13 +16045,13 @@
   <p:clrMapOvr>
     <a:masterClrMapping/>
   </p:clrMapOvr>
-  <mc:AlternateContent xmlns:mc="http://schemas.openxmlformats.org/markup-compatibility/2006">
-    <mc:Choice xmlns:p159="http://schemas.microsoft.com/office/powerpoint/2015/09/main" Requires="p159">
+  <mc:AlternateContent xmlns:mc="http://schemas.openxmlformats.org/markup-compatibility/2006" xmlns:p159="http://schemas.microsoft.com/office/powerpoint/2015/09/main">
+    <mc:Choice Requires="p159">
       <p:transition xmlns:p14="http://schemas.microsoft.com/office/powerpoint/2010/main" spd="slow" p14:dur="2000">
         <p159:morph option="byObject"/>
       </p:transition>
     </mc:Choice>
-    <mc:Fallback>
+    <mc:Fallback xmlns="">
       <p:transition spd="slow">
         <p:fade/>
       </p:transition>
@@ -17177,13 +17177,13 @@
   <p:clrMapOvr>
     <a:masterClrMapping/>
   </p:clrMapOvr>
-  <mc:AlternateContent xmlns:mc="http://schemas.openxmlformats.org/markup-compatibility/2006">
-    <mc:Choice xmlns:p159="http://schemas.microsoft.com/office/powerpoint/2015/09/main" Requires="p159">
+  <mc:AlternateContent xmlns:mc="http://schemas.openxmlformats.org/markup-compatibility/2006" xmlns:p159="http://schemas.microsoft.com/office/powerpoint/2015/09/main">
+    <mc:Choice Requires="p159">
       <p:transition xmlns:p14="http://schemas.microsoft.com/office/powerpoint/2010/main" spd="slow" p14:dur="2000">
         <p159:morph option="byObject"/>
       </p:transition>
     </mc:Choice>
-    <mc:Fallback>
+    <mc:Fallback xmlns="">
       <p:transition spd="slow">
         <p:fade/>
       </p:transition>
@@ -18540,13 +18540,13 @@
   <p:clrMapOvr>
     <a:masterClrMapping/>
   </p:clrMapOvr>
-  <mc:AlternateContent xmlns:mc="http://schemas.openxmlformats.org/markup-compatibility/2006">
-    <mc:Choice xmlns:p159="http://schemas.microsoft.com/office/powerpoint/2015/09/main" Requires="p159">
+  <mc:AlternateContent xmlns:mc="http://schemas.openxmlformats.org/markup-compatibility/2006" xmlns:p159="http://schemas.microsoft.com/office/powerpoint/2015/09/main">
+    <mc:Choice Requires="p159">
       <p:transition xmlns:p14="http://schemas.microsoft.com/office/powerpoint/2010/main" spd="slow" p14:dur="2000">
         <p159:morph option="byObject"/>
       </p:transition>
     </mc:Choice>
-    <mc:Fallback>
+    <mc:Fallback xmlns="">
       <p:transition spd="slow">
         <p:fade/>
       </p:transition>
@@ -20045,13 +20045,13 @@
   <p:clrMapOvr>
     <a:masterClrMapping/>
   </p:clrMapOvr>
-  <mc:AlternateContent xmlns:mc="http://schemas.openxmlformats.org/markup-compatibility/2006">
-    <mc:Choice xmlns:p159="http://schemas.microsoft.com/office/powerpoint/2015/09/main" Requires="p159">
+  <mc:AlternateContent xmlns:mc="http://schemas.openxmlformats.org/markup-compatibility/2006" xmlns:p159="http://schemas.microsoft.com/office/powerpoint/2015/09/main">
+    <mc:Choice Requires="p159">
       <p:transition xmlns:p14="http://schemas.microsoft.com/office/powerpoint/2010/main" spd="slow" p14:dur="2000">
         <p159:morph option="byObject"/>
       </p:transition>
     </mc:Choice>
-    <mc:Fallback>
+    <mc:Fallback xmlns="">
       <p:transition spd="slow">
         <p:fade/>
       </p:transition>
@@ -20294,13 +20294,13 @@
   <p:clrMapOvr>
     <a:masterClrMapping/>
   </p:clrMapOvr>
-  <mc:AlternateContent xmlns:mc="http://schemas.openxmlformats.org/markup-compatibility/2006">
-    <mc:Choice xmlns:p14="http://schemas.microsoft.com/office/powerpoint/2010/main" Requires="p14">
+  <mc:AlternateContent xmlns:mc="http://schemas.openxmlformats.org/markup-compatibility/2006" xmlns:p14="http://schemas.microsoft.com/office/powerpoint/2010/main">
+    <mc:Choice Requires="p14">
       <p:transition spd="med" p14:dur="700">
         <p:fade/>
       </p:transition>
     </mc:Choice>
-    <mc:Fallback>
+    <mc:Fallback xmlns="">
       <p:transition spd="med">
         <p:fade/>
       </p:transition>
@@ -21109,13 +21109,13 @@
   <p:clrMapOvr>
     <a:masterClrMapping/>
   </p:clrMapOvr>
-  <mc:AlternateContent xmlns:mc="http://schemas.openxmlformats.org/markup-compatibility/2006">
-    <mc:Choice xmlns:p14="http://schemas.microsoft.com/office/powerpoint/2010/main" Requires="p14">
+  <mc:AlternateContent xmlns:mc="http://schemas.openxmlformats.org/markup-compatibility/2006" xmlns:p14="http://schemas.microsoft.com/office/powerpoint/2010/main">
+    <mc:Choice Requires="p14">
       <p:transition spd="med" p14:dur="700">
         <p:fade/>
       </p:transition>
     </mc:Choice>
-    <mc:Fallback>
+    <mc:Fallback xmlns="">
       <p:transition spd="med">
         <p:fade/>
       </p:transition>
@@ -21946,13 +21946,13 @@
   <p:clrMapOvr>
     <a:masterClrMapping/>
   </p:clrMapOvr>
-  <mc:AlternateContent xmlns:mc="http://schemas.openxmlformats.org/markup-compatibility/2006">
-    <mc:Choice xmlns:p14="http://schemas.microsoft.com/office/powerpoint/2010/main" Requires="p14">
+  <mc:AlternateContent xmlns:mc="http://schemas.openxmlformats.org/markup-compatibility/2006" xmlns:p14="http://schemas.microsoft.com/office/powerpoint/2010/main">
+    <mc:Choice Requires="p14">
       <p:transition spd="med" p14:dur="700">
         <p:fade/>
       </p:transition>
     </mc:Choice>
-    <mc:Fallback>
+    <mc:Fallback xmlns="">
       <p:transition spd="med">
         <p:fade/>
       </p:transition>
@@ -22179,13 +22179,13 @@
   <p:clrMapOvr>
     <a:masterClrMapping/>
   </p:clrMapOvr>
-  <mc:AlternateContent xmlns:mc="http://schemas.openxmlformats.org/markup-compatibility/2006">
-    <mc:Choice xmlns:p14="http://schemas.microsoft.com/office/powerpoint/2010/main" Requires="p14">
+  <mc:AlternateContent xmlns:mc="http://schemas.openxmlformats.org/markup-compatibility/2006" xmlns:p14="http://schemas.microsoft.com/office/powerpoint/2010/main">
+    <mc:Choice Requires="p14">
       <p:transition spd="med" p14:dur="700">
         <p:fade/>
       </p:transition>
     </mc:Choice>
-    <mc:Fallback>
+    <mc:Fallback xmlns="">
       <p:transition spd="med">
         <p:fade/>
       </p:transition>
@@ -22381,13 +22381,13 @@
   <p:clrMapOvr>
     <a:masterClrMapping/>
   </p:clrMapOvr>
-  <mc:AlternateContent xmlns:mc="http://schemas.openxmlformats.org/markup-compatibility/2006">
-    <mc:Choice xmlns:p14="http://schemas.microsoft.com/office/powerpoint/2010/main" Requires="p14">
+  <mc:AlternateContent xmlns:mc="http://schemas.openxmlformats.org/markup-compatibility/2006" xmlns:p14="http://schemas.microsoft.com/office/powerpoint/2010/main">
+    <mc:Choice Requires="p14">
       <p:transition spd="med" p14:dur="700">
         <p:fade/>
       </p:transition>
     </mc:Choice>
-    <mc:Fallback>
+    <mc:Fallback xmlns="">
       <p:transition spd="med">
         <p:fade/>
       </p:transition>
@@ -22597,13 +22597,13 @@
   <p:clrMapOvr>
     <a:masterClrMapping/>
   </p:clrMapOvr>
-  <mc:AlternateContent xmlns:mc="http://schemas.openxmlformats.org/markup-compatibility/2006">
-    <mc:Choice xmlns:p14="http://schemas.microsoft.com/office/powerpoint/2010/main" Requires="p14">
+  <mc:AlternateContent xmlns:mc="http://schemas.openxmlformats.org/markup-compatibility/2006" xmlns:p14="http://schemas.microsoft.com/office/powerpoint/2010/main">
+    <mc:Choice Requires="p14">
       <p:transition spd="med" p14:dur="700">
         <p:fade/>
       </p:transition>
     </mc:Choice>
-    <mc:Fallback>
+    <mc:Fallback xmlns="">
       <p:transition spd="med">
         <p:fade/>
       </p:transition>
@@ -22802,13 +22802,13 @@
   <p:clrMapOvr>
     <a:masterClrMapping/>
   </p:clrMapOvr>
-  <mc:AlternateContent xmlns:mc="http://schemas.openxmlformats.org/markup-compatibility/2006">
-    <mc:Choice xmlns:p14="http://schemas.microsoft.com/office/powerpoint/2010/main" Requires="p14">
+  <mc:AlternateContent xmlns:mc="http://schemas.openxmlformats.org/markup-compatibility/2006" xmlns:p14="http://schemas.microsoft.com/office/powerpoint/2010/main">
+    <mc:Choice Requires="p14">
       <p:transition spd="med" p14:dur="700">
         <p:fade/>
       </p:transition>
     </mc:Choice>
-    <mc:Fallback>
+    <mc:Fallback xmlns="">
       <p:transition spd="med">
         <p:fade/>
       </p:transition>
@@ -23282,13 +23282,13 @@
   <p:clrMapOvr>
     <a:masterClrMapping/>
   </p:clrMapOvr>
-  <mc:AlternateContent xmlns:mc="http://schemas.openxmlformats.org/markup-compatibility/2006">
-    <mc:Choice xmlns:p159="http://schemas.microsoft.com/office/powerpoint/2015/09/main" Requires="p159">
+  <mc:AlternateContent xmlns:mc="http://schemas.openxmlformats.org/markup-compatibility/2006" xmlns:p159="http://schemas.microsoft.com/office/powerpoint/2015/09/main">
+    <mc:Choice Requires="p159">
       <p:transition xmlns:p14="http://schemas.microsoft.com/office/powerpoint/2010/main" spd="slow" p14:dur="2000">
         <p159:morph option="byObject"/>
       </p:transition>
     </mc:Choice>
-    <mc:Fallback>
+    <mc:Fallback xmlns="">
       <p:transition spd="slow">
         <p:fade/>
       </p:transition>
@@ -23926,13 +23926,13 @@
   <p:clrMapOvr>
     <a:masterClrMapping/>
   </p:clrMapOvr>
-  <mc:AlternateContent xmlns:mc="http://schemas.openxmlformats.org/markup-compatibility/2006">
-    <mc:Choice xmlns:p159="http://schemas.microsoft.com/office/powerpoint/2015/09/main" Requires="p159">
+  <mc:AlternateContent xmlns:mc="http://schemas.openxmlformats.org/markup-compatibility/2006" xmlns:p159="http://schemas.microsoft.com/office/powerpoint/2015/09/main">
+    <mc:Choice Requires="p159">
       <p:transition xmlns:p14="http://schemas.microsoft.com/office/powerpoint/2010/main" spd="slow" p14:dur="2000">
         <p159:morph option="byObject"/>
       </p:transition>
     </mc:Choice>
-    <mc:Fallback>
+    <mc:Fallback xmlns="">
       <p:transition spd="slow">
         <p:fade/>
       </p:transition>
@@ -25033,13 +25033,13 @@
   <p:clrMapOvr>
     <a:masterClrMapping/>
   </p:clrMapOvr>
-  <mc:AlternateContent xmlns:mc="http://schemas.openxmlformats.org/markup-compatibility/2006">
-    <mc:Choice xmlns:p159="http://schemas.microsoft.com/office/powerpoint/2015/09/main" Requires="p159">
+  <mc:AlternateContent xmlns:mc="http://schemas.openxmlformats.org/markup-compatibility/2006" xmlns:p159="http://schemas.microsoft.com/office/powerpoint/2015/09/main">
+    <mc:Choice Requires="p159">
       <p:transition xmlns:p14="http://schemas.microsoft.com/office/powerpoint/2010/main" spd="slow" p14:dur="2000">
         <p159:morph option="byObject"/>
       </p:transition>
     </mc:Choice>
-    <mc:Fallback>
+    <mc:Fallback xmlns="">
       <p:transition spd="slow">
         <p:fade/>
       </p:transition>
@@ -26352,13 +26352,13 @@
   <p:clrMapOvr>
     <a:masterClrMapping/>
   </p:clrMapOvr>
-  <mc:AlternateContent xmlns:mc="http://schemas.openxmlformats.org/markup-compatibility/2006">
-    <mc:Choice xmlns:p159="http://schemas.microsoft.com/office/powerpoint/2015/09/main" Requires="p159">
+  <mc:AlternateContent xmlns:mc="http://schemas.openxmlformats.org/markup-compatibility/2006" xmlns:p159="http://schemas.microsoft.com/office/powerpoint/2015/09/main">
+    <mc:Choice Requires="p159">
       <p:transition xmlns:p14="http://schemas.microsoft.com/office/powerpoint/2010/main" spd="slow" p14:dur="2000">
         <p159:morph option="byObject"/>
       </p:transition>
     </mc:Choice>
-    <mc:Fallback>
+    <mc:Fallback xmlns="">
       <p:transition spd="slow">
         <p:fade/>
       </p:transition>
@@ -27494,13 +27494,13 @@
   <p:clrMapOvr>
     <a:masterClrMapping/>
   </p:clrMapOvr>
-  <mc:AlternateContent xmlns:mc="http://schemas.openxmlformats.org/markup-compatibility/2006">
-    <mc:Choice xmlns:p159="http://schemas.microsoft.com/office/powerpoint/2015/09/main" Requires="p159">
+  <mc:AlternateContent xmlns:mc="http://schemas.openxmlformats.org/markup-compatibility/2006" xmlns:p159="http://schemas.microsoft.com/office/powerpoint/2015/09/main">
+    <mc:Choice Requires="p159">
       <p:transition xmlns:p14="http://schemas.microsoft.com/office/powerpoint/2010/main" spd="slow" p14:dur="2000">
         <p159:morph option="byObject"/>
       </p:transition>
     </mc:Choice>
-    <mc:Fallback>
+    <mc:Fallback xmlns="">
       <p:transition spd="slow">
         <p:fade/>
       </p:transition>
@@ -27785,13 +27785,13 @@
   <p:clrMapOvr>
     <a:masterClrMapping/>
   </p:clrMapOvr>
-  <mc:AlternateContent xmlns:mc="http://schemas.openxmlformats.org/markup-compatibility/2006">
-    <mc:Choice xmlns:p14="http://schemas.microsoft.com/office/powerpoint/2010/main" Requires="p14">
+  <mc:AlternateContent xmlns:mc="http://schemas.openxmlformats.org/markup-compatibility/2006" xmlns:p14="http://schemas.microsoft.com/office/powerpoint/2010/main">
+    <mc:Choice Requires="p14">
       <p:transition spd="med" p14:dur="700">
         <p:fade/>
       </p:transition>
     </mc:Choice>
-    <mc:Fallback>
+    <mc:Fallback xmlns="">
       <p:transition spd="med">
         <p:fade/>
       </p:transition>
@@ -28970,13 +28970,13 @@
   <p:clrMapOvr>
     <a:masterClrMapping/>
   </p:clrMapOvr>
-  <mc:AlternateContent xmlns:mc="http://schemas.openxmlformats.org/markup-compatibility/2006">
-    <mc:Choice xmlns:p14="http://schemas.microsoft.com/office/powerpoint/2010/main" Requires="p14">
+  <mc:AlternateContent xmlns:mc="http://schemas.openxmlformats.org/markup-compatibility/2006" xmlns:p14="http://schemas.microsoft.com/office/powerpoint/2010/main">
+    <mc:Choice Requires="p14">
       <p:transition spd="med" p14:dur="700">
         <p:fade/>
       </p:transition>
     </mc:Choice>
-    <mc:Fallback>
+    <mc:Fallback xmlns="">
       <p:transition spd="med">
         <p:fade/>
       </p:transition>
@@ -30220,13 +30220,13 @@
   <p:clrMapOvr>
     <a:masterClrMapping/>
   </p:clrMapOvr>
-  <mc:AlternateContent xmlns:mc="http://schemas.openxmlformats.org/markup-compatibility/2006">
-    <mc:Choice xmlns:p159="http://schemas.microsoft.com/office/powerpoint/2015/09/main" Requires="p159">
+  <mc:AlternateContent xmlns:mc="http://schemas.openxmlformats.org/markup-compatibility/2006" xmlns:p159="http://schemas.microsoft.com/office/powerpoint/2015/09/main">
+    <mc:Choice Requires="p159">
       <p:transition xmlns:p14="http://schemas.microsoft.com/office/powerpoint/2010/main" spd="slow" p14:dur="2000">
         <p159:morph option="byObject"/>
       </p:transition>
     </mc:Choice>
-    <mc:Fallback>
+    <mc:Fallback xmlns="">
       <p:transition spd="slow">
         <p:fade/>
       </p:transition>
@@ -31562,13 +31562,13 @@
   <p:clrMapOvr>
     <a:masterClrMapping/>
   </p:clrMapOvr>
-  <mc:AlternateContent xmlns:mc="http://schemas.openxmlformats.org/markup-compatibility/2006">
-    <mc:Choice xmlns:p159="http://schemas.microsoft.com/office/powerpoint/2015/09/main" Requires="p159">
+  <mc:AlternateContent xmlns:mc="http://schemas.openxmlformats.org/markup-compatibility/2006" xmlns:p159="http://schemas.microsoft.com/office/powerpoint/2015/09/main">
+    <mc:Choice Requires="p159">
       <p:transition xmlns:p14="http://schemas.microsoft.com/office/powerpoint/2010/main" spd="slow" p14:dur="2000">
         <p159:morph option="byObject"/>
       </p:transition>
     </mc:Choice>
-    <mc:Fallback>
+    <mc:Fallback xmlns="">
       <p:transition spd="slow">
         <p:fade/>
       </p:transition>
@@ -33141,13 +33141,13 @@
   <p:clrMapOvr>
     <a:masterClrMapping/>
   </p:clrMapOvr>
-  <mc:AlternateContent xmlns:mc="http://schemas.openxmlformats.org/markup-compatibility/2006">
-    <mc:Choice xmlns:p159="http://schemas.microsoft.com/office/powerpoint/2015/09/main" Requires="p159">
+  <mc:AlternateContent xmlns:mc="http://schemas.openxmlformats.org/markup-compatibility/2006" xmlns:p159="http://schemas.microsoft.com/office/powerpoint/2015/09/main">
+    <mc:Choice Requires="p159">
       <p:transition xmlns:p14="http://schemas.microsoft.com/office/powerpoint/2010/main" spd="slow" p14:dur="2000">
         <p159:morph option="byObject"/>
       </p:transition>
     </mc:Choice>
-    <mc:Fallback>
+    <mc:Fallback xmlns="">
       <p:transition spd="slow">
         <p:fade/>
       </p:transition>
@@ -34483,13 +34483,13 @@
   <p:clrMapOvr>
     <a:masterClrMapping/>
   </p:clrMapOvr>
-  <mc:AlternateContent xmlns:mc="http://schemas.openxmlformats.org/markup-compatibility/2006">
-    <mc:Choice xmlns:p159="http://schemas.microsoft.com/office/powerpoint/2015/09/main" Requires="p159">
+  <mc:AlternateContent xmlns:mc="http://schemas.openxmlformats.org/markup-compatibility/2006" xmlns:p159="http://schemas.microsoft.com/office/powerpoint/2015/09/main">
+    <mc:Choice Requires="p159">
       <p:transition xmlns:p14="http://schemas.microsoft.com/office/powerpoint/2010/main" spd="slow" p14:dur="2000">
         <p159:morph option="byObject"/>
       </p:transition>
     </mc:Choice>
-    <mc:Fallback>
+    <mc:Fallback xmlns="">
       <p:transition spd="slow">
         <p:fade/>
       </p:transition>
@@ -35426,7 +35426,7 @@
             <a:pPr algn="ctr"/>
             <a:r>
               <a:rPr lang="de-DE" sz="1000" noProof="1"/>
-              <a:t>result (int): ???</a:t>
+              <a:t>result (int): 10</a:t>
             </a:r>
           </a:p>
         </p:txBody>
@@ -35542,13 +35542,13 @@
   <p:clrMapOvr>
     <a:masterClrMapping/>
   </p:clrMapOvr>
-  <mc:AlternateContent xmlns:mc="http://schemas.openxmlformats.org/markup-compatibility/2006">
-    <mc:Choice xmlns:p159="http://schemas.microsoft.com/office/powerpoint/2015/09/main" Requires="p159">
+  <mc:AlternateContent xmlns:mc="http://schemas.openxmlformats.org/markup-compatibility/2006" xmlns:p159="http://schemas.microsoft.com/office/powerpoint/2015/09/main">
+    <mc:Choice Requires="p159">
       <p:transition xmlns:p14="http://schemas.microsoft.com/office/powerpoint/2010/main" spd="slow" p14:dur="2000">
         <p159:morph option="byObject"/>
       </p:transition>
     </mc:Choice>
-    <mc:Fallback>
+    <mc:Fallback xmlns="">
       <p:transition spd="slow">
         <p:fade/>
       </p:transition>
@@ -36207,13 +36207,13 @@
   <p:clrMapOvr>
     <a:masterClrMapping/>
   </p:clrMapOvr>
-  <mc:AlternateContent xmlns:mc="http://schemas.openxmlformats.org/markup-compatibility/2006">
-    <mc:Choice xmlns:p14="http://schemas.microsoft.com/office/powerpoint/2010/main" Requires="p14">
+  <mc:AlternateContent xmlns:mc="http://schemas.openxmlformats.org/markup-compatibility/2006" xmlns:p14="http://schemas.microsoft.com/office/powerpoint/2010/main">
+    <mc:Choice Requires="p14">
       <p:transition spd="med" p14:dur="700">
         <p:fade/>
       </p:transition>
     </mc:Choice>
-    <mc:Fallback>
+    <mc:Fallback xmlns="">
       <p:transition spd="med">
         <p:fade/>
       </p:transition>
@@ -36471,13 +36471,13 @@
   <p:clrMapOvr>
     <a:masterClrMapping/>
   </p:clrMapOvr>
-  <mc:AlternateContent xmlns:mc="http://schemas.openxmlformats.org/markup-compatibility/2006">
-    <mc:Choice xmlns:p14="http://schemas.microsoft.com/office/powerpoint/2010/main" Requires="p14">
+  <mc:AlternateContent xmlns:mc="http://schemas.openxmlformats.org/markup-compatibility/2006" xmlns:p14="http://schemas.microsoft.com/office/powerpoint/2010/main">
+    <mc:Choice Requires="p14">
       <p:transition spd="med" p14:dur="700">
         <p:fade/>
       </p:transition>
     </mc:Choice>
-    <mc:Fallback>
+    <mc:Fallback xmlns="">
       <p:transition spd="med">
         <p:fade/>
       </p:transition>
@@ -37273,13 +37273,13 @@
   <p:clrMapOvr>
     <a:masterClrMapping/>
   </p:clrMapOvr>
-  <mc:AlternateContent xmlns:mc="http://schemas.openxmlformats.org/markup-compatibility/2006">
-    <mc:Choice xmlns:p14="http://schemas.microsoft.com/office/powerpoint/2010/main" Requires="p14">
+  <mc:AlternateContent xmlns:mc="http://schemas.openxmlformats.org/markup-compatibility/2006" xmlns:p14="http://schemas.microsoft.com/office/powerpoint/2010/main">
+    <mc:Choice Requires="p14">
       <p:transition spd="med" p14:dur="700">
         <p:fade/>
       </p:transition>
     </mc:Choice>
-    <mc:Fallback>
+    <mc:Fallback xmlns="">
       <p:transition spd="med">
         <p:fade/>
       </p:transition>
@@ -38472,13 +38472,13 @@
   <p:clrMapOvr>
     <a:masterClrMapping/>
   </p:clrMapOvr>
-  <mc:AlternateContent xmlns:mc="http://schemas.openxmlformats.org/markup-compatibility/2006">
-    <mc:Choice xmlns:p159="http://schemas.microsoft.com/office/powerpoint/2015/09/main" Requires="p159">
+  <mc:AlternateContent xmlns:mc="http://schemas.openxmlformats.org/markup-compatibility/2006" xmlns:p159="http://schemas.microsoft.com/office/powerpoint/2015/09/main">
+    <mc:Choice Requires="p159">
       <p:transition xmlns:p14="http://schemas.microsoft.com/office/powerpoint/2010/main" spd="slow" p14:dur="2000">
         <p159:morph option="byObject"/>
       </p:transition>
     </mc:Choice>
-    <mc:Fallback>
+    <mc:Fallback xmlns="">
       <p:transition spd="slow">
         <p:fade/>
       </p:transition>
@@ -40790,13 +40790,13 @@
   <p:clrMapOvr>
     <a:masterClrMapping/>
   </p:clrMapOvr>
-  <mc:AlternateContent xmlns:mc="http://schemas.openxmlformats.org/markup-compatibility/2006">
-    <mc:Choice xmlns:p159="http://schemas.microsoft.com/office/powerpoint/2015/09/main" Requires="p159">
+  <mc:AlternateContent xmlns:mc="http://schemas.openxmlformats.org/markup-compatibility/2006" xmlns:p159="http://schemas.microsoft.com/office/powerpoint/2015/09/main">
+    <mc:Choice Requires="p159">
       <p:transition xmlns:p14="http://schemas.microsoft.com/office/powerpoint/2010/main" spd="slow" p14:dur="2000">
         <p159:morph option="byObject"/>
       </p:transition>
     </mc:Choice>
-    <mc:Fallback>
+    <mc:Fallback xmlns="">
       <p:transition spd="slow">
         <p:fade/>
       </p:transition>
@@ -42565,13 +42565,13 @@
   <p:clrMapOvr>
     <a:masterClrMapping/>
   </p:clrMapOvr>
-  <mc:AlternateContent xmlns:mc="http://schemas.openxmlformats.org/markup-compatibility/2006">
-    <mc:Choice xmlns:p159="http://schemas.microsoft.com/office/powerpoint/2015/09/main" Requires="p159">
+  <mc:AlternateContent xmlns:mc="http://schemas.openxmlformats.org/markup-compatibility/2006" xmlns:p159="http://schemas.microsoft.com/office/powerpoint/2015/09/main">
+    <mc:Choice Requires="p159">
       <p:transition xmlns:p14="http://schemas.microsoft.com/office/powerpoint/2010/main" spd="slow" p14:dur="2000">
         <p159:morph option="byObject"/>
       </p:transition>
     </mc:Choice>
-    <mc:Fallback>
+    <mc:Fallback xmlns="">
       <p:transition spd="slow">
         <p:fade/>
       </p:transition>
@@ -43996,13 +43996,13 @@
   <p:clrMapOvr>
     <a:masterClrMapping/>
   </p:clrMapOvr>
-  <mc:AlternateContent xmlns:mc="http://schemas.openxmlformats.org/markup-compatibility/2006">
-    <mc:Choice xmlns:p159="http://schemas.microsoft.com/office/powerpoint/2015/09/main" Requires="p159">
+  <mc:AlternateContent xmlns:mc="http://schemas.openxmlformats.org/markup-compatibility/2006" xmlns:p159="http://schemas.microsoft.com/office/powerpoint/2015/09/main">
+    <mc:Choice Requires="p159">
       <p:transition xmlns:p14="http://schemas.microsoft.com/office/powerpoint/2010/main" spd="slow" p14:dur="2000">
         <p159:morph option="byObject"/>
       </p:transition>
     </mc:Choice>
-    <mc:Fallback>
+    <mc:Fallback xmlns="">
       <p:transition spd="slow">
         <p:fade/>
       </p:transition>
@@ -45570,13 +45570,13 @@
   <p:clrMapOvr>
     <a:masterClrMapping/>
   </p:clrMapOvr>
-  <mc:AlternateContent xmlns:mc="http://schemas.openxmlformats.org/markup-compatibility/2006">
-    <mc:Choice xmlns:p159="http://schemas.microsoft.com/office/powerpoint/2015/09/main" Requires="p159">
+  <mc:AlternateContent xmlns:mc="http://schemas.openxmlformats.org/markup-compatibility/2006" xmlns:p159="http://schemas.microsoft.com/office/powerpoint/2015/09/main">
+    <mc:Choice Requires="p159">
       <p:transition xmlns:p14="http://schemas.microsoft.com/office/powerpoint/2010/main" spd="slow" p14:dur="2000">
         <p159:morph option="byObject"/>
       </p:transition>
     </mc:Choice>
-    <mc:Fallback>
+    <mc:Fallback xmlns="">
       <p:transition spd="slow">
         <p:fade/>
       </p:transition>
@@ -46862,13 +46862,13 @@
   <p:clrMapOvr>
     <a:masterClrMapping/>
   </p:clrMapOvr>
-  <mc:AlternateContent xmlns:mc="http://schemas.openxmlformats.org/markup-compatibility/2006">
-    <mc:Choice xmlns:p159="http://schemas.microsoft.com/office/powerpoint/2015/09/main" Requires="p159">
+  <mc:AlternateContent xmlns:mc="http://schemas.openxmlformats.org/markup-compatibility/2006" xmlns:p159="http://schemas.microsoft.com/office/powerpoint/2015/09/main">
+    <mc:Choice Requires="p159">
       <p:transition xmlns:p14="http://schemas.microsoft.com/office/powerpoint/2010/main" spd="slow" p14:dur="2000">
         <p159:morph option="byObject"/>
       </p:transition>
     </mc:Choice>
-    <mc:Fallback>
+    <mc:Fallback xmlns="">
       <p:transition spd="slow">
         <p:fade/>
       </p:transition>
@@ -48357,13 +48357,13 @@
   <p:clrMapOvr>
     <a:masterClrMapping/>
   </p:clrMapOvr>
-  <mc:AlternateContent xmlns:mc="http://schemas.openxmlformats.org/markup-compatibility/2006">
-    <mc:Choice xmlns:p159="http://schemas.microsoft.com/office/powerpoint/2015/09/main" Requires="p159">
+  <mc:AlternateContent xmlns:mc="http://schemas.openxmlformats.org/markup-compatibility/2006" xmlns:p159="http://schemas.microsoft.com/office/powerpoint/2015/09/main">
+    <mc:Choice Requires="p159">
       <p:transition xmlns:p14="http://schemas.microsoft.com/office/powerpoint/2010/main" spd="slow" p14:dur="2000">
         <p159:morph option="byObject"/>
       </p:transition>
     </mc:Choice>
-    <mc:Fallback>
+    <mc:Fallback xmlns="">
       <p:transition spd="slow">
         <p:fade/>
       </p:transition>
@@ -49905,13 +49905,13 @@
   <p:clrMapOvr>
     <a:masterClrMapping/>
   </p:clrMapOvr>
-  <mc:AlternateContent xmlns:mc="http://schemas.openxmlformats.org/markup-compatibility/2006">
-    <mc:Choice xmlns:p159="http://schemas.microsoft.com/office/powerpoint/2015/09/main" Requires="p159">
+  <mc:AlternateContent xmlns:mc="http://schemas.openxmlformats.org/markup-compatibility/2006" xmlns:p159="http://schemas.microsoft.com/office/powerpoint/2015/09/main">
+    <mc:Choice Requires="p159">
       <p:transition xmlns:p14="http://schemas.microsoft.com/office/powerpoint/2010/main" spd="slow" p14:dur="2000">
         <p159:morph option="byObject"/>
       </p:transition>
     </mc:Choice>
-    <mc:Fallback>
+    <mc:Fallback xmlns="">
       <p:transition spd="slow">
         <p:fade/>
       </p:transition>
@@ -50092,13 +50092,13 @@
   <p:clrMapOvr>
     <a:masterClrMapping/>
   </p:clrMapOvr>
-  <mc:AlternateContent xmlns:mc="http://schemas.openxmlformats.org/markup-compatibility/2006">
-    <mc:Choice xmlns:p14="http://schemas.microsoft.com/office/powerpoint/2010/main" Requires="p14">
+  <mc:AlternateContent xmlns:mc="http://schemas.openxmlformats.org/markup-compatibility/2006" xmlns:p14="http://schemas.microsoft.com/office/powerpoint/2010/main">
+    <mc:Choice Requires="p14">
       <p:transition spd="med" p14:dur="700">
         <p:fade/>
       </p:transition>
     </mc:Choice>
-    <mc:Fallback>
+    <mc:Fallback xmlns="">
       <p:transition spd="med">
         <p:fade/>
       </p:transition>
@@ -50529,13 +50529,13 @@
   <p:clrMapOvr>
     <a:masterClrMapping/>
   </p:clrMapOvr>
-  <mc:AlternateContent xmlns:mc="http://schemas.openxmlformats.org/markup-compatibility/2006">
-    <mc:Choice xmlns:p14="http://schemas.microsoft.com/office/powerpoint/2010/main" Requires="p14">
+  <mc:AlternateContent xmlns:mc="http://schemas.openxmlformats.org/markup-compatibility/2006" xmlns:p14="http://schemas.microsoft.com/office/powerpoint/2010/main">
+    <mc:Choice Requires="p14">
       <p:transition spd="med" p14:dur="700">
         <p:fade/>
       </p:transition>
     </mc:Choice>
-    <mc:Fallback>
+    <mc:Fallback xmlns="">
       <p:transition spd="med">
         <p:fade/>
       </p:transition>
@@ -51317,13 +51317,13 @@
   <p:clrMapOvr>
     <a:masterClrMapping/>
   </p:clrMapOvr>
-  <mc:AlternateContent xmlns:mc="http://schemas.openxmlformats.org/markup-compatibility/2006">
-    <mc:Choice xmlns:p14="http://schemas.microsoft.com/office/powerpoint/2010/main" Requires="p14">
+  <mc:AlternateContent xmlns:mc="http://schemas.openxmlformats.org/markup-compatibility/2006" xmlns:p14="http://schemas.microsoft.com/office/powerpoint/2010/main">
+    <mc:Choice Requires="p14">
       <p:transition spd="med" p14:dur="700">
         <p:fade/>
       </p:transition>
     </mc:Choice>
-    <mc:Fallback>
+    <mc:Fallback xmlns="">
       <p:transition spd="med">
         <p:fade/>
       </p:transition>
@@ -52709,13 +52709,13 @@
   <p:clrMapOvr>
     <a:masterClrMapping/>
   </p:clrMapOvr>
-  <mc:AlternateContent xmlns:mc="http://schemas.openxmlformats.org/markup-compatibility/2006">
-    <mc:Choice xmlns:p14="http://schemas.microsoft.com/office/powerpoint/2010/main" Requires="p14">
+  <mc:AlternateContent xmlns:mc="http://schemas.openxmlformats.org/markup-compatibility/2006" xmlns:p14="http://schemas.microsoft.com/office/powerpoint/2010/main">
+    <mc:Choice Requires="p14">
       <p:transition spd="med" p14:dur="700">
         <p:fade/>
       </p:transition>
     </mc:Choice>
-    <mc:Fallback>
+    <mc:Fallback xmlns="">
       <p:transition spd="med">
         <p:fade/>
       </p:transition>
@@ -53642,13 +53642,13 @@
   <p:clrMapOvr>
     <a:masterClrMapping/>
   </p:clrMapOvr>
-  <mc:AlternateContent xmlns:mc="http://schemas.openxmlformats.org/markup-compatibility/2006">
-    <mc:Choice xmlns:p14="http://schemas.microsoft.com/office/powerpoint/2010/main" Requires="p14">
+  <mc:AlternateContent xmlns:mc="http://schemas.openxmlformats.org/markup-compatibility/2006" xmlns:p14="http://schemas.microsoft.com/office/powerpoint/2010/main">
+    <mc:Choice Requires="p14">
       <p:transition spd="med" p14:dur="700">
         <p:fade/>
       </p:transition>
     </mc:Choice>
-    <mc:Fallback>
+    <mc:Fallback xmlns="">
       <p:transition spd="med">
         <p:fade/>
       </p:transition>
@@ -53862,13 +53862,13 @@
   <p:clrMapOvr>
     <a:masterClrMapping/>
   </p:clrMapOvr>
-  <mc:AlternateContent xmlns:mc="http://schemas.openxmlformats.org/markup-compatibility/2006">
-    <mc:Choice xmlns:p14="http://schemas.microsoft.com/office/powerpoint/2010/main" Requires="p14">
+  <mc:AlternateContent xmlns:mc="http://schemas.openxmlformats.org/markup-compatibility/2006" xmlns:p14="http://schemas.microsoft.com/office/powerpoint/2010/main">
+    <mc:Choice Requires="p14">
       <p:transition spd="med" p14:dur="700">
         <p:fade/>
       </p:transition>
     </mc:Choice>
-    <mc:Fallback>
+    <mc:Fallback xmlns="">
       <p:transition spd="med">
         <p:fade/>
       </p:transition>
